--- a/Later/Spring/13_Scheduler/4/Schedule a Task using Cron Expressions.pptx
+++ b/Later/Spring/13_Scheduler/4/Schedule a Task using Cron Expressions.pptx
@@ -196,7 +196,7 @@
           <a:p>
             <a:fld id="{62274EC6-3890-417B-9308-14EFBD00FA63}" type="datetimeFigureOut">
               <a:rPr lang="en-US" smtClean="0"/>
-              <a:t>10/8/2018</a:t>
+              <a:t>10/9/2018</a:t>
             </a:fld>
             <a:endParaRPr lang="en-US" dirty="0"/>
           </a:p>
@@ -1091,7 +1091,7 @@
             <a:fld id="{1D8BD707-D9CF-40AE-B4C6-C98DA3205C09}" type="datetimeFigureOut">
               <a:rPr lang="en-US" smtClean="0"/>
               <a:pPr/>
-              <a:t>10/8/2018</a:t>
+              <a:t>10/9/2018</a:t>
             </a:fld>
             <a:endParaRPr lang="en-US" dirty="0"/>
           </a:p>
@@ -1263,7 +1263,7 @@
             <a:fld id="{1D8BD707-D9CF-40AE-B4C6-C98DA3205C09}" type="datetimeFigureOut">
               <a:rPr lang="en-US" smtClean="0"/>
               <a:pPr/>
-              <a:t>10/8/2018</a:t>
+              <a:t>10/9/2018</a:t>
             </a:fld>
             <a:endParaRPr lang="en-US" dirty="0"/>
           </a:p>
@@ -1445,7 +1445,7 @@
             <a:fld id="{1D8BD707-D9CF-40AE-B4C6-C98DA3205C09}" type="datetimeFigureOut">
               <a:rPr lang="en-US" smtClean="0"/>
               <a:pPr/>
-              <a:t>10/8/2018</a:t>
+              <a:t>10/9/2018</a:t>
             </a:fld>
             <a:endParaRPr lang="en-US" dirty="0"/>
           </a:p>
@@ -1617,7 +1617,7 @@
             <a:fld id="{1D8BD707-D9CF-40AE-B4C6-C98DA3205C09}" type="datetimeFigureOut">
               <a:rPr lang="en-US" smtClean="0"/>
               <a:pPr/>
-              <a:t>10/8/2018</a:t>
+              <a:t>10/9/2018</a:t>
             </a:fld>
             <a:endParaRPr lang="en-US" dirty="0"/>
           </a:p>
@@ -1865,7 +1865,7 @@
             <a:fld id="{1D8BD707-D9CF-40AE-B4C6-C98DA3205C09}" type="datetimeFigureOut">
               <a:rPr lang="en-US" smtClean="0"/>
               <a:pPr/>
-              <a:t>10/8/2018</a:t>
+              <a:t>10/9/2018</a:t>
             </a:fld>
             <a:endParaRPr lang="en-US" dirty="0"/>
           </a:p>
@@ -2155,7 +2155,7 @@
             <a:fld id="{1D8BD707-D9CF-40AE-B4C6-C98DA3205C09}" type="datetimeFigureOut">
               <a:rPr lang="en-US" smtClean="0"/>
               <a:pPr/>
-              <a:t>10/8/2018</a:t>
+              <a:t>10/9/2018</a:t>
             </a:fld>
             <a:endParaRPr lang="en-US" dirty="0"/>
           </a:p>
@@ -2584,7 +2584,7 @@
             <a:fld id="{1D8BD707-D9CF-40AE-B4C6-C98DA3205C09}" type="datetimeFigureOut">
               <a:rPr lang="en-US" smtClean="0"/>
               <a:pPr/>
-              <a:t>10/8/2018</a:t>
+              <a:t>10/9/2018</a:t>
             </a:fld>
             <a:endParaRPr lang="en-US" dirty="0"/>
           </a:p>
@@ -2704,7 +2704,7 @@
             <a:fld id="{1D8BD707-D9CF-40AE-B4C6-C98DA3205C09}" type="datetimeFigureOut">
               <a:rPr lang="en-US" smtClean="0"/>
               <a:pPr/>
-              <a:t>10/8/2018</a:t>
+              <a:t>10/9/2018</a:t>
             </a:fld>
             <a:endParaRPr lang="en-US" dirty="0"/>
           </a:p>
@@ -2801,7 +2801,7 @@
             <a:fld id="{1D8BD707-D9CF-40AE-B4C6-C98DA3205C09}" type="datetimeFigureOut">
               <a:rPr lang="en-US" smtClean="0"/>
               <a:pPr/>
-              <a:t>10/8/2018</a:t>
+              <a:t>10/9/2018</a:t>
             </a:fld>
             <a:endParaRPr lang="en-US" dirty="0"/>
           </a:p>
@@ -3080,7 +3080,7 @@
             <a:fld id="{1D8BD707-D9CF-40AE-B4C6-C98DA3205C09}" type="datetimeFigureOut">
               <a:rPr lang="en-US" smtClean="0"/>
               <a:pPr/>
-              <a:t>10/8/2018</a:t>
+              <a:t>10/9/2018</a:t>
             </a:fld>
             <a:endParaRPr lang="en-US" dirty="0"/>
           </a:p>
@@ -3335,7 +3335,7 @@
             <a:fld id="{1D8BD707-D9CF-40AE-B4C6-C98DA3205C09}" type="datetimeFigureOut">
               <a:rPr lang="en-US" smtClean="0"/>
               <a:pPr/>
-              <a:t>10/8/2018</a:t>
+              <a:t>10/9/2018</a:t>
             </a:fld>
             <a:endParaRPr lang="en-US" dirty="0"/>
           </a:p>
@@ -3550,7 +3550,7 @@
             <a:fld id="{1D8BD707-D9CF-40AE-B4C6-C98DA3205C09}" type="datetimeFigureOut">
               <a:rPr lang="en-US" smtClean="0"/>
               <a:pPr/>
-              <a:t>10/8/2018</a:t>
+              <a:t>10/9/2018</a:t>
             </a:fld>
             <a:endParaRPr lang="en-US" dirty="0"/>
           </a:p>
@@ -3949,7 +3949,7 @@
         </p:blipFill>
         <p:spPr bwMode="auto">
           <a:xfrm>
-            <a:off x="127000" y="1142999"/>
+            <a:off x="231774" y="735025"/>
             <a:ext cx="4968875" cy="2841870"/>
           </a:xfrm>
           <a:prstGeom prst="rect">
@@ -4233,7 +4233,7 @@
         </p:nvSpPr>
         <p:spPr>
           <a:xfrm>
-            <a:off x="5638800" y="1981200"/>
+            <a:off x="5743574" y="1573226"/>
             <a:ext cx="3352800" cy="1524000"/>
           </a:xfrm>
           <a:prstGeom prst="wedgeRoundRectCallout">
@@ -4336,7 +4336,7 @@
         </p:nvSpPr>
         <p:spPr>
           <a:xfrm>
-            <a:off x="3143249" y="815962"/>
+            <a:off x="3248023" y="407988"/>
             <a:ext cx="3048000" cy="654075"/>
           </a:xfrm>
           <a:prstGeom prst="wedgeRoundRectCallout">
@@ -4389,7 +4389,7 @@
         </p:nvSpPr>
         <p:spPr>
           <a:xfrm>
-            <a:off x="1028700" y="4038600"/>
+            <a:off x="1133474" y="3630626"/>
             <a:ext cx="7277099" cy="646331"/>
           </a:xfrm>
           <a:prstGeom prst="rect">
@@ -4448,6 +4448,125 @@
               <a:rPr lang="en-US" sz="1200" dirty="0"/>
               <a:t>a method should not accept any parameters</a:t>
             </a:r>
+          </a:p>
+        </p:txBody>
+      </p:sp>
+      <p:sp>
+        <p:nvSpPr>
+          <p:cNvPr id="10" name="Flowchart: Alternate Process 9"/>
+          <p:cNvSpPr/>
+          <p:nvPr/>
+        </p:nvSpPr>
+        <p:spPr>
+          <a:xfrm>
+            <a:off x="76200" y="4572000"/>
+            <a:ext cx="3044825" cy="342900"/>
+          </a:xfrm>
+          <a:prstGeom prst="flowChartAlternateProcess">
+            <a:avLst/>
+          </a:prstGeom>
+        </p:spPr>
+        <p:style>
+          <a:lnRef idx="1">
+            <a:schemeClr val="accent3"/>
+          </a:lnRef>
+          <a:fillRef idx="2">
+            <a:schemeClr val="accent3"/>
+          </a:fillRef>
+          <a:effectRef idx="1">
+            <a:schemeClr val="accent3"/>
+          </a:effectRef>
+          <a:fontRef idx="minor">
+            <a:schemeClr val="dk1"/>
+          </a:fontRef>
+        </p:style>
+        <p:txBody>
+          <a:bodyPr rtlCol="0" anchor="ctr"/>
+          <a:lstStyle/>
+          <a:p>
+            <a:pPr algn="ctr"/>
+            <a:r>
+              <a:rPr lang="en-US" sz="1200" dirty="0"/>
+              <a:t>@Scheduled(</a:t>
+            </a:r>
+            <a:r>
+              <a:rPr lang="en-US" sz="1200" dirty="0" err="1"/>
+              <a:t>cron</a:t>
+            </a:r>
+            <a:r>
+              <a:rPr lang="en-US" sz="1200" dirty="0"/>
+              <a:t> = "${</a:t>
+            </a:r>
+            <a:r>
+              <a:rPr lang="en-US" sz="1200" dirty="0" err="1"/>
+              <a:t>cron.expression</a:t>
+            </a:r>
+            <a:r>
+              <a:rPr lang="en-US" sz="1200" dirty="0"/>
+              <a:t>}")</a:t>
+            </a:r>
+          </a:p>
+        </p:txBody>
+      </p:sp>
+      <p:sp>
+        <p:nvSpPr>
+          <p:cNvPr id="11" name="Rounded Rectangular Callout 10"/>
+          <p:cNvSpPr/>
+          <p:nvPr/>
+        </p:nvSpPr>
+        <p:spPr>
+          <a:xfrm>
+            <a:off x="3914774" y="4419600"/>
+            <a:ext cx="3657600" cy="535686"/>
+          </a:xfrm>
+          <a:prstGeom prst="wedgeRoundRectCallout">
+            <a:avLst>
+              <a:gd name="adj1" fmla="val -71614"/>
+              <a:gd name="adj2" fmla="val 5335"/>
+              <a:gd name="adj3" fmla="val 16667"/>
+            </a:avLst>
+          </a:prstGeom>
+          <a:ln w="3175"/>
+        </p:spPr>
+        <p:style>
+          <a:lnRef idx="2">
+            <a:schemeClr val="accent4"/>
+          </a:lnRef>
+          <a:fillRef idx="1">
+            <a:schemeClr val="lt1"/>
+          </a:fillRef>
+          <a:effectRef idx="0">
+            <a:schemeClr val="accent4"/>
+          </a:effectRef>
+          <a:fontRef idx="minor">
+            <a:schemeClr val="dk1"/>
+          </a:fontRef>
+        </p:style>
+        <p:txBody>
+          <a:bodyPr rtlCol="0" anchor="ctr"/>
+          <a:lstStyle/>
+          <a:p>
+            <a:endParaRPr lang="en-US" sz="800" dirty="0" smtClean="0"/>
+          </a:p>
+          <a:p>
+            <a:r>
+              <a:rPr lang="en-US" sz="800" dirty="0" smtClean="0"/>
+              <a:t>Hardcoding </a:t>
+            </a:r>
+            <a:r>
+              <a:rPr lang="en-US" sz="800" dirty="0"/>
+              <a:t>these schedules is simple, but usually, you need to be able to control the schedule without re-compiling and re-deploying the entire app.</a:t>
+            </a:r>
+          </a:p>
+          <a:p>
+            <a:r>
+              <a:rPr lang="en-US" sz="800" dirty="0"/>
+              <a:t>We’ll make use of Spring Expressions to externalize the configuration of the tasks – and we’ll store these in properties files:</a:t>
+            </a:r>
+          </a:p>
+          <a:p>
+            <a:pPr algn="ctr"/>
+            <a:endParaRPr lang="en-US" sz="800" dirty="0"/>
           </a:p>
         </p:txBody>
       </p:sp>

--- a/Later/Spring/13_Scheduler/4/Schedule a Task using Cron Expressions.pptx
+++ b/Later/Spring/13_Scheduler/4/Schedule a Task using Cron Expressions.pptx
@@ -196,7 +196,7 @@
           <a:p>
             <a:fld id="{62274EC6-3890-417B-9308-14EFBD00FA63}" type="datetimeFigureOut">
               <a:rPr lang="en-US" smtClean="0"/>
-              <a:t>10/9/2018</a:t>
+              <a:t>10/15/2018</a:t>
             </a:fld>
             <a:endParaRPr lang="en-US" dirty="0"/>
           </a:p>
@@ -1091,7 +1091,7 @@
             <a:fld id="{1D8BD707-D9CF-40AE-B4C6-C98DA3205C09}" type="datetimeFigureOut">
               <a:rPr lang="en-US" smtClean="0"/>
               <a:pPr/>
-              <a:t>10/9/2018</a:t>
+              <a:t>10/15/2018</a:t>
             </a:fld>
             <a:endParaRPr lang="en-US" dirty="0"/>
           </a:p>
@@ -1263,7 +1263,7 @@
             <a:fld id="{1D8BD707-D9CF-40AE-B4C6-C98DA3205C09}" type="datetimeFigureOut">
               <a:rPr lang="en-US" smtClean="0"/>
               <a:pPr/>
-              <a:t>10/9/2018</a:t>
+              <a:t>10/15/2018</a:t>
             </a:fld>
             <a:endParaRPr lang="en-US" dirty="0"/>
           </a:p>
@@ -1445,7 +1445,7 @@
             <a:fld id="{1D8BD707-D9CF-40AE-B4C6-C98DA3205C09}" type="datetimeFigureOut">
               <a:rPr lang="en-US" smtClean="0"/>
               <a:pPr/>
-              <a:t>10/9/2018</a:t>
+              <a:t>10/15/2018</a:t>
             </a:fld>
             <a:endParaRPr lang="en-US" dirty="0"/>
           </a:p>
@@ -1617,7 +1617,7 @@
             <a:fld id="{1D8BD707-D9CF-40AE-B4C6-C98DA3205C09}" type="datetimeFigureOut">
               <a:rPr lang="en-US" smtClean="0"/>
               <a:pPr/>
-              <a:t>10/9/2018</a:t>
+              <a:t>10/15/2018</a:t>
             </a:fld>
             <a:endParaRPr lang="en-US" dirty="0"/>
           </a:p>
@@ -1865,7 +1865,7 @@
             <a:fld id="{1D8BD707-D9CF-40AE-B4C6-C98DA3205C09}" type="datetimeFigureOut">
               <a:rPr lang="en-US" smtClean="0"/>
               <a:pPr/>
-              <a:t>10/9/2018</a:t>
+              <a:t>10/15/2018</a:t>
             </a:fld>
             <a:endParaRPr lang="en-US" dirty="0"/>
           </a:p>
@@ -2155,7 +2155,7 @@
             <a:fld id="{1D8BD707-D9CF-40AE-B4C6-C98DA3205C09}" type="datetimeFigureOut">
               <a:rPr lang="en-US" smtClean="0"/>
               <a:pPr/>
-              <a:t>10/9/2018</a:t>
+              <a:t>10/15/2018</a:t>
             </a:fld>
             <a:endParaRPr lang="en-US" dirty="0"/>
           </a:p>
@@ -2584,7 +2584,7 @@
             <a:fld id="{1D8BD707-D9CF-40AE-B4C6-C98DA3205C09}" type="datetimeFigureOut">
               <a:rPr lang="en-US" smtClean="0"/>
               <a:pPr/>
-              <a:t>10/9/2018</a:t>
+              <a:t>10/15/2018</a:t>
             </a:fld>
             <a:endParaRPr lang="en-US" dirty="0"/>
           </a:p>
@@ -2704,7 +2704,7 @@
             <a:fld id="{1D8BD707-D9CF-40AE-B4C6-C98DA3205C09}" type="datetimeFigureOut">
               <a:rPr lang="en-US" smtClean="0"/>
               <a:pPr/>
-              <a:t>10/9/2018</a:t>
+              <a:t>10/15/2018</a:t>
             </a:fld>
             <a:endParaRPr lang="en-US" dirty="0"/>
           </a:p>
@@ -2801,7 +2801,7 @@
             <a:fld id="{1D8BD707-D9CF-40AE-B4C6-C98DA3205C09}" type="datetimeFigureOut">
               <a:rPr lang="en-US" smtClean="0"/>
               <a:pPr/>
-              <a:t>10/9/2018</a:t>
+              <a:t>10/15/2018</a:t>
             </a:fld>
             <a:endParaRPr lang="en-US" dirty="0"/>
           </a:p>
@@ -3080,7 +3080,7 @@
             <a:fld id="{1D8BD707-D9CF-40AE-B4C6-C98DA3205C09}" type="datetimeFigureOut">
               <a:rPr lang="en-US" smtClean="0"/>
               <a:pPr/>
-              <a:t>10/9/2018</a:t>
+              <a:t>10/15/2018</a:t>
             </a:fld>
             <a:endParaRPr lang="en-US" dirty="0"/>
           </a:p>
@@ -3335,7 +3335,7 @@
             <a:fld id="{1D8BD707-D9CF-40AE-B4C6-C98DA3205C09}" type="datetimeFigureOut">
               <a:rPr lang="en-US" smtClean="0"/>
               <a:pPr/>
-              <a:t>10/9/2018</a:t>
+              <a:t>10/15/2018</a:t>
             </a:fld>
             <a:endParaRPr lang="en-US" dirty="0"/>
           </a:p>
@@ -3550,7 +3550,7 @@
             <a:fld id="{1D8BD707-D9CF-40AE-B4C6-C98DA3205C09}" type="datetimeFigureOut">
               <a:rPr lang="en-US" smtClean="0"/>
               <a:pPr/>
-              <a:t>10/9/2018</a:t>
+              <a:t>10/15/2018</a:t>
             </a:fld>
             <a:endParaRPr lang="en-US" dirty="0"/>
           </a:p>
@@ -4091,142 +4091,6 @@
       </p:sp>
       <p:sp>
         <p:nvSpPr>
-          <p:cNvPr id="9" name="Rectangle 8"/>
-          <p:cNvSpPr/>
-          <p:nvPr/>
-        </p:nvSpPr>
-        <p:spPr>
-          <a:xfrm>
-            <a:off x="3524248" y="35739"/>
-            <a:ext cx="2667001" cy="276999"/>
-          </a:xfrm>
-          <a:prstGeom prst="rect">
-            <a:avLst/>
-          </a:prstGeom>
-        </p:spPr>
-        <p:style>
-          <a:lnRef idx="1">
-            <a:schemeClr val="accent4"/>
-          </a:lnRef>
-          <a:fillRef idx="3">
-            <a:schemeClr val="accent4"/>
-          </a:fillRef>
-          <a:effectRef idx="2">
-            <a:schemeClr val="accent4"/>
-          </a:effectRef>
-          <a:fontRef idx="minor">
-            <a:schemeClr val="lt1"/>
-          </a:fontRef>
-        </p:style>
-        <p:txBody>
-          <a:bodyPr wrap="square">
-            <a:spAutoFit/>
-          </a:bodyPr>
-          <a:lstStyle>
-            <a:defPPr>
-              <a:defRPr lang="en-US"/>
-            </a:defPPr>
-            <a:lvl1pPr marL="0" algn="l" defTabSz="914400" rtl="0" eaLnBrk="1" latinLnBrk="0" hangingPunct="1">
-              <a:defRPr sz="1800" kern="1200">
-                <a:solidFill>
-                  <a:schemeClr val="lt1"/>
-                </a:solidFill>
-                <a:latin typeface="+mn-lt"/>
-                <a:ea typeface="+mn-ea"/>
-                <a:cs typeface="+mn-cs"/>
-              </a:defRPr>
-            </a:lvl1pPr>
-            <a:lvl2pPr marL="457200" algn="l" defTabSz="914400" rtl="0" eaLnBrk="1" latinLnBrk="0" hangingPunct="1">
-              <a:defRPr sz="1800" kern="1200">
-                <a:solidFill>
-                  <a:schemeClr val="lt1"/>
-                </a:solidFill>
-                <a:latin typeface="+mn-lt"/>
-                <a:ea typeface="+mn-ea"/>
-                <a:cs typeface="+mn-cs"/>
-              </a:defRPr>
-            </a:lvl2pPr>
-            <a:lvl3pPr marL="914400" algn="l" defTabSz="914400" rtl="0" eaLnBrk="1" latinLnBrk="0" hangingPunct="1">
-              <a:defRPr sz="1800" kern="1200">
-                <a:solidFill>
-                  <a:schemeClr val="lt1"/>
-                </a:solidFill>
-                <a:latin typeface="+mn-lt"/>
-                <a:ea typeface="+mn-ea"/>
-                <a:cs typeface="+mn-cs"/>
-              </a:defRPr>
-            </a:lvl3pPr>
-            <a:lvl4pPr marL="1371600" algn="l" defTabSz="914400" rtl="0" eaLnBrk="1" latinLnBrk="0" hangingPunct="1">
-              <a:defRPr sz="1800" kern="1200">
-                <a:solidFill>
-                  <a:schemeClr val="lt1"/>
-                </a:solidFill>
-                <a:latin typeface="+mn-lt"/>
-                <a:ea typeface="+mn-ea"/>
-                <a:cs typeface="+mn-cs"/>
-              </a:defRPr>
-            </a:lvl4pPr>
-            <a:lvl5pPr marL="1828800" algn="l" defTabSz="914400" rtl="0" eaLnBrk="1" latinLnBrk="0" hangingPunct="1">
-              <a:defRPr sz="1800" kern="1200">
-                <a:solidFill>
-                  <a:schemeClr val="lt1"/>
-                </a:solidFill>
-                <a:latin typeface="+mn-lt"/>
-                <a:ea typeface="+mn-ea"/>
-                <a:cs typeface="+mn-cs"/>
-              </a:defRPr>
-            </a:lvl5pPr>
-            <a:lvl6pPr marL="2286000" algn="l" defTabSz="914400" rtl="0" eaLnBrk="1" latinLnBrk="0" hangingPunct="1">
-              <a:defRPr sz="1800" kern="1200">
-                <a:solidFill>
-                  <a:schemeClr val="lt1"/>
-                </a:solidFill>
-                <a:latin typeface="+mn-lt"/>
-                <a:ea typeface="+mn-ea"/>
-                <a:cs typeface="+mn-cs"/>
-              </a:defRPr>
-            </a:lvl6pPr>
-            <a:lvl7pPr marL="2743200" algn="l" defTabSz="914400" rtl="0" eaLnBrk="1" latinLnBrk="0" hangingPunct="1">
-              <a:defRPr sz="1800" kern="1200">
-                <a:solidFill>
-                  <a:schemeClr val="lt1"/>
-                </a:solidFill>
-                <a:latin typeface="+mn-lt"/>
-                <a:ea typeface="+mn-ea"/>
-                <a:cs typeface="+mn-cs"/>
-              </a:defRPr>
-            </a:lvl7pPr>
-            <a:lvl8pPr marL="3200400" algn="l" defTabSz="914400" rtl="0" eaLnBrk="1" latinLnBrk="0" hangingPunct="1">
-              <a:defRPr sz="1800" kern="1200">
-                <a:solidFill>
-                  <a:schemeClr val="lt1"/>
-                </a:solidFill>
-                <a:latin typeface="+mn-lt"/>
-                <a:ea typeface="+mn-ea"/>
-                <a:cs typeface="+mn-cs"/>
-              </a:defRPr>
-            </a:lvl8pPr>
-            <a:lvl9pPr marL="3657600" algn="l" defTabSz="914400" rtl="0" eaLnBrk="1" latinLnBrk="0" hangingPunct="1">
-              <a:defRPr sz="1800" kern="1200">
-                <a:solidFill>
-                  <a:schemeClr val="lt1"/>
-                </a:solidFill>
-                <a:latin typeface="+mn-lt"/>
-                <a:ea typeface="+mn-ea"/>
-                <a:cs typeface="+mn-cs"/>
-              </a:defRPr>
-            </a:lvl9pPr>
-          </a:lstStyle>
-          <a:p>
-            <a:r>
-              <a:rPr lang="en-US" sz="1200" dirty="0"/>
-              <a:t>Schedule a Task using Cron Expressions</a:t>
-            </a:r>
-          </a:p>
-        </p:txBody>
-      </p:sp>
-      <p:sp>
-        <p:nvSpPr>
           <p:cNvPr id="5" name="Rounded Rectangular Callout 4"/>
           <p:cNvSpPr/>
           <p:nvPr/>
@@ -4567,6 +4431,159 @@
           <a:p>
             <a:pPr algn="ctr"/>
             <a:endParaRPr lang="en-US" sz="800" dirty="0"/>
+          </a:p>
+        </p:txBody>
+      </p:sp>
+      <p:sp>
+        <p:nvSpPr>
+          <p:cNvPr id="12" name="Rectangle 11"/>
+          <p:cNvSpPr/>
+          <p:nvPr/>
+        </p:nvSpPr>
+        <p:spPr>
+          <a:xfrm>
+            <a:off x="1981200" y="27801"/>
+            <a:ext cx="5589590" cy="276999"/>
+          </a:xfrm>
+          <a:prstGeom prst="rect">
+            <a:avLst/>
+          </a:prstGeom>
+        </p:spPr>
+        <p:style>
+          <a:lnRef idx="1">
+            <a:schemeClr val="accent4"/>
+          </a:lnRef>
+          <a:fillRef idx="3">
+            <a:schemeClr val="accent4"/>
+          </a:fillRef>
+          <a:effectRef idx="2">
+            <a:schemeClr val="accent4"/>
+          </a:effectRef>
+          <a:fontRef idx="minor">
+            <a:schemeClr val="lt1"/>
+          </a:fontRef>
+        </p:style>
+        <p:txBody>
+          <a:bodyPr wrap="square">
+            <a:spAutoFit/>
+          </a:bodyPr>
+          <a:lstStyle>
+            <a:defPPr>
+              <a:defRPr lang="en-US"/>
+            </a:defPPr>
+            <a:lvl1pPr marL="0" algn="l" defTabSz="914400" rtl="0" eaLnBrk="1" latinLnBrk="0" hangingPunct="1">
+              <a:defRPr sz="1800" kern="1200">
+                <a:solidFill>
+                  <a:schemeClr val="lt1"/>
+                </a:solidFill>
+                <a:latin typeface="+mn-lt"/>
+                <a:ea typeface="+mn-ea"/>
+                <a:cs typeface="+mn-cs"/>
+              </a:defRPr>
+            </a:lvl1pPr>
+            <a:lvl2pPr marL="457200" algn="l" defTabSz="914400" rtl="0" eaLnBrk="1" latinLnBrk="0" hangingPunct="1">
+              <a:defRPr sz="1800" kern="1200">
+                <a:solidFill>
+                  <a:schemeClr val="lt1"/>
+                </a:solidFill>
+                <a:latin typeface="+mn-lt"/>
+                <a:ea typeface="+mn-ea"/>
+                <a:cs typeface="+mn-cs"/>
+              </a:defRPr>
+            </a:lvl2pPr>
+            <a:lvl3pPr marL="914400" algn="l" defTabSz="914400" rtl="0" eaLnBrk="1" latinLnBrk="0" hangingPunct="1">
+              <a:defRPr sz="1800" kern="1200">
+                <a:solidFill>
+                  <a:schemeClr val="lt1"/>
+                </a:solidFill>
+                <a:latin typeface="+mn-lt"/>
+                <a:ea typeface="+mn-ea"/>
+                <a:cs typeface="+mn-cs"/>
+              </a:defRPr>
+            </a:lvl3pPr>
+            <a:lvl4pPr marL="1371600" algn="l" defTabSz="914400" rtl="0" eaLnBrk="1" latinLnBrk="0" hangingPunct="1">
+              <a:defRPr sz="1800" kern="1200">
+                <a:solidFill>
+                  <a:schemeClr val="lt1"/>
+                </a:solidFill>
+                <a:latin typeface="+mn-lt"/>
+                <a:ea typeface="+mn-ea"/>
+                <a:cs typeface="+mn-cs"/>
+              </a:defRPr>
+            </a:lvl4pPr>
+            <a:lvl5pPr marL="1828800" algn="l" defTabSz="914400" rtl="0" eaLnBrk="1" latinLnBrk="0" hangingPunct="1">
+              <a:defRPr sz="1800" kern="1200">
+                <a:solidFill>
+                  <a:schemeClr val="lt1"/>
+                </a:solidFill>
+                <a:latin typeface="+mn-lt"/>
+                <a:ea typeface="+mn-ea"/>
+                <a:cs typeface="+mn-cs"/>
+              </a:defRPr>
+            </a:lvl5pPr>
+            <a:lvl6pPr marL="2286000" algn="l" defTabSz="914400" rtl="0" eaLnBrk="1" latinLnBrk="0" hangingPunct="1">
+              <a:defRPr sz="1800" kern="1200">
+                <a:solidFill>
+                  <a:schemeClr val="lt1"/>
+                </a:solidFill>
+                <a:latin typeface="+mn-lt"/>
+                <a:ea typeface="+mn-ea"/>
+                <a:cs typeface="+mn-cs"/>
+              </a:defRPr>
+            </a:lvl6pPr>
+            <a:lvl7pPr marL="2743200" algn="l" defTabSz="914400" rtl="0" eaLnBrk="1" latinLnBrk="0" hangingPunct="1">
+              <a:defRPr sz="1800" kern="1200">
+                <a:solidFill>
+                  <a:schemeClr val="lt1"/>
+                </a:solidFill>
+                <a:latin typeface="+mn-lt"/>
+                <a:ea typeface="+mn-ea"/>
+                <a:cs typeface="+mn-cs"/>
+              </a:defRPr>
+            </a:lvl7pPr>
+            <a:lvl8pPr marL="3200400" algn="l" defTabSz="914400" rtl="0" eaLnBrk="1" latinLnBrk="0" hangingPunct="1">
+              <a:defRPr sz="1800" kern="1200">
+                <a:solidFill>
+                  <a:schemeClr val="lt1"/>
+                </a:solidFill>
+                <a:latin typeface="+mn-lt"/>
+                <a:ea typeface="+mn-ea"/>
+                <a:cs typeface="+mn-cs"/>
+              </a:defRPr>
+            </a:lvl8pPr>
+            <a:lvl9pPr marL="3657600" algn="l" defTabSz="914400" rtl="0" eaLnBrk="1" latinLnBrk="0" hangingPunct="1">
+              <a:defRPr sz="1800" kern="1200">
+                <a:solidFill>
+                  <a:schemeClr val="lt1"/>
+                </a:solidFill>
+                <a:latin typeface="+mn-lt"/>
+                <a:ea typeface="+mn-ea"/>
+                <a:cs typeface="+mn-cs"/>
+              </a:defRPr>
+            </a:lvl9pPr>
+          </a:lstStyle>
+          <a:p>
+            <a:r>
+              <a:rPr lang="en-US" sz="1200" dirty="0"/>
+              <a:t>Schedule a Task using </a:t>
+            </a:r>
+            <a:r>
+              <a:rPr lang="en-US" sz="1200" dirty="0" err="1"/>
+              <a:t>Cron</a:t>
+            </a:r>
+            <a:r>
+              <a:rPr lang="en-US" sz="1200" dirty="0"/>
+              <a:t> </a:t>
+            </a:r>
+            <a:r>
+              <a:rPr lang="en-US" sz="1200" dirty="0"/>
+              <a:t>Expressions[Configuring scheduled tasks using </a:t>
+            </a:r>
+            <a:r>
+              <a:rPr lang="en-US" sz="1200" dirty="0" smtClean="0"/>
+              <a:t>Annotation]</a:t>
+            </a:r>
+            <a:endParaRPr lang="en-US" sz="1200" dirty="0"/>
           </a:p>
         </p:txBody>
       </p:sp>
@@ -4780,14 +4797,14 @@
       </p:pic>
       <p:sp>
         <p:nvSpPr>
-          <p:cNvPr id="8" name="Rectangle 7"/>
+          <p:cNvPr id="7" name="Rectangle 6"/>
           <p:cNvSpPr/>
           <p:nvPr/>
         </p:nvSpPr>
         <p:spPr>
           <a:xfrm>
-            <a:off x="3524248" y="35739"/>
-            <a:ext cx="2667001" cy="276999"/>
+            <a:off x="1981200" y="27801"/>
+            <a:ext cx="5589590" cy="276999"/>
           </a:xfrm>
           <a:prstGeom prst="rect">
             <a:avLst/>
@@ -4909,8 +4926,25 @@
           <a:p>
             <a:r>
               <a:rPr lang="en-US" sz="1200" dirty="0"/>
-              <a:t>Schedule a Task using Cron Expressions</a:t>
-            </a:r>
+              <a:t>Schedule a Task using </a:t>
+            </a:r>
+            <a:r>
+              <a:rPr lang="en-US" sz="1200" dirty="0" err="1"/>
+              <a:t>Cron</a:t>
+            </a:r>
+            <a:r>
+              <a:rPr lang="en-US" sz="1200" dirty="0"/>
+              <a:t> </a:t>
+            </a:r>
+            <a:r>
+              <a:rPr lang="en-US" sz="1200" dirty="0"/>
+              <a:t>Expressions[Configuring scheduled tasks using </a:t>
+            </a:r>
+            <a:r>
+              <a:rPr lang="en-US" sz="1200" dirty="0" smtClean="0"/>
+              <a:t>Annotation]</a:t>
+            </a:r>
+            <a:endParaRPr lang="en-US" sz="1200" dirty="0"/>
           </a:p>
         </p:txBody>
       </p:sp>
@@ -5170,14 +5204,14 @@
       </p:pic>
       <p:sp>
         <p:nvSpPr>
-          <p:cNvPr id="9" name="Rectangle 8"/>
+          <p:cNvPr id="8" name="Rectangle 7"/>
           <p:cNvSpPr/>
           <p:nvPr/>
         </p:nvSpPr>
         <p:spPr>
           <a:xfrm>
-            <a:off x="3524248" y="35739"/>
-            <a:ext cx="2667001" cy="276999"/>
+            <a:off x="1981200" y="27801"/>
+            <a:ext cx="5589590" cy="276999"/>
           </a:xfrm>
           <a:prstGeom prst="rect">
             <a:avLst/>
@@ -5299,8 +5333,25 @@
           <a:p>
             <a:r>
               <a:rPr lang="en-US" sz="1200" dirty="0"/>
-              <a:t>Schedule a Task using Cron Expressions</a:t>
-            </a:r>
+              <a:t>Schedule a Task using </a:t>
+            </a:r>
+            <a:r>
+              <a:rPr lang="en-US" sz="1200" dirty="0" err="1"/>
+              <a:t>Cron</a:t>
+            </a:r>
+            <a:r>
+              <a:rPr lang="en-US" sz="1200" dirty="0"/>
+              <a:t> </a:t>
+            </a:r>
+            <a:r>
+              <a:rPr lang="en-US" sz="1200" dirty="0"/>
+              <a:t>Expressions[Configuring scheduled tasks using </a:t>
+            </a:r>
+            <a:r>
+              <a:rPr lang="en-US" sz="1200" dirty="0" smtClean="0"/>
+              <a:t>Annotation]</a:t>
+            </a:r>
+            <a:endParaRPr lang="en-US" sz="1200" dirty="0"/>
           </a:p>
         </p:txBody>
       </p:sp>
@@ -5514,14 +5565,14 @@
       </p:pic>
       <p:sp>
         <p:nvSpPr>
-          <p:cNvPr id="10" name="Rectangle 9"/>
+          <p:cNvPr id="7" name="Rectangle 6"/>
           <p:cNvSpPr/>
           <p:nvPr/>
         </p:nvSpPr>
         <p:spPr>
           <a:xfrm>
-            <a:off x="3524248" y="35739"/>
-            <a:ext cx="2667001" cy="276999"/>
+            <a:off x="1981200" y="27801"/>
+            <a:ext cx="5589590" cy="276999"/>
           </a:xfrm>
           <a:prstGeom prst="rect">
             <a:avLst/>
@@ -5643,8 +5694,25 @@
           <a:p>
             <a:r>
               <a:rPr lang="en-US" sz="1200" dirty="0"/>
-              <a:t>Schedule a Task using Cron Expressions</a:t>
-            </a:r>
+              <a:t>Schedule a Task using </a:t>
+            </a:r>
+            <a:r>
+              <a:rPr lang="en-US" sz="1200" dirty="0" err="1"/>
+              <a:t>Cron</a:t>
+            </a:r>
+            <a:r>
+              <a:rPr lang="en-US" sz="1200" dirty="0"/>
+              <a:t> </a:t>
+            </a:r>
+            <a:r>
+              <a:rPr lang="en-US" sz="1200" dirty="0"/>
+              <a:t>Expressions[Configuring scheduled tasks using </a:t>
+            </a:r>
+            <a:r>
+              <a:rPr lang="en-US" sz="1200" dirty="0" smtClean="0"/>
+              <a:t>Annotation]</a:t>
+            </a:r>
+            <a:endParaRPr lang="en-US" sz="1200" dirty="0"/>
           </a:p>
         </p:txBody>
       </p:sp>
@@ -5840,14 +5908,14 @@
       </p:sp>
       <p:sp>
         <p:nvSpPr>
-          <p:cNvPr id="9" name="Rectangle 8"/>
+          <p:cNvPr id="7" name="Rectangle 6"/>
           <p:cNvSpPr/>
           <p:nvPr/>
         </p:nvSpPr>
         <p:spPr>
           <a:xfrm>
-            <a:off x="3524248" y="35739"/>
-            <a:ext cx="2667001" cy="276999"/>
+            <a:off x="1981200" y="27801"/>
+            <a:ext cx="5589590" cy="276999"/>
           </a:xfrm>
           <a:prstGeom prst="rect">
             <a:avLst/>
@@ -5969,8 +6037,25 @@
           <a:p>
             <a:r>
               <a:rPr lang="en-US" sz="1200" dirty="0"/>
-              <a:t>Schedule a Task using Cron Expressions</a:t>
-            </a:r>
+              <a:t>Schedule a Task using </a:t>
+            </a:r>
+            <a:r>
+              <a:rPr lang="en-US" sz="1200" dirty="0" err="1"/>
+              <a:t>Cron</a:t>
+            </a:r>
+            <a:r>
+              <a:rPr lang="en-US" sz="1200" dirty="0"/>
+              <a:t> </a:t>
+            </a:r>
+            <a:r>
+              <a:rPr lang="en-US" sz="1200" dirty="0"/>
+              <a:t>Expressions[Configuring scheduled tasks using </a:t>
+            </a:r>
+            <a:r>
+              <a:rPr lang="en-US" sz="1200" dirty="0" smtClean="0"/>
+              <a:t>Annotation]</a:t>
+            </a:r>
+            <a:endParaRPr lang="en-US" sz="1200" dirty="0"/>
           </a:p>
         </p:txBody>
       </p:sp>
